--- a/assets/lectures/cbw-cshl/2019/full/RNASeq_Module2_Lecture.pptx
+++ b/assets/lectures/cbw-cshl/2019/full/RNASeq_Module2_Lecture.pptx
@@ -5,7 +5,7 @@
     <p:sldMasterId id="2147483648" r:id="rId1"/>
   </p:sldMasterIdLst>
   <p:notesMasterIdLst>
-    <p:notesMasterId r:id="rId43"/>
+    <p:notesMasterId r:id="rId42"/>
   </p:notesMasterIdLst>
   <p:sldIdLst>
     <p:sldId id="256" r:id="rId2"/>
@@ -46,9 +46,8 @@
     <p:sldId id="546" r:id="rId37"/>
     <p:sldId id="547" r:id="rId38"/>
     <p:sldId id="548" r:id="rId39"/>
-    <p:sldId id="549" r:id="rId40"/>
-    <p:sldId id="550" r:id="rId41"/>
-    <p:sldId id="260" r:id="rId42"/>
+    <p:sldId id="550" r:id="rId40"/>
+    <p:sldId id="260" r:id="rId41"/>
   </p:sldIdLst>
   <p:sldSz cx="12192000" cy="6858000"/>
   <p:notesSz cx="6858000" cy="9144000"/>
@@ -1980,7 +1979,7 @@
           <a:p>
             <a:fld id="{419BFF29-0455-3C47-A931-C775FC776F32}" type="slidenum">
               <a:rPr lang="en-US" smtClean="0"/>
-              <a:t>41</a:t>
+              <a:t>40</a:t>
             </a:fld>
             <a:endParaRPr lang="en-US"/>
           </a:p>
@@ -3165,467 +3164,6 @@
 </p:sldLayout>
 </file>
 
-<file path=ppt/slideLayouts/slideLayout13.xml><?xml version="1.0" encoding="utf-8"?>
-<p:sldLayout xmlns:a="http://schemas.openxmlformats.org/drawingml/2006/main" xmlns:r="http://schemas.openxmlformats.org/officeDocument/2006/relationships" xmlns:p="http://schemas.openxmlformats.org/presentationml/2006/main" userDrawn="1">
-  <p:cSld name="Content">
-    <p:spTree>
-      <p:nvGrpSpPr>
-        <p:cNvPr id="1" name=""/>
-        <p:cNvGrpSpPr/>
-        <p:nvPr/>
-      </p:nvGrpSpPr>
-      <p:grpSpPr>
-        <a:xfrm>
-          <a:off x="0" y="0"/>
-          <a:ext cx="0" cy="0"/>
-          <a:chOff x="0" y="0"/>
-          <a:chExt cx="0" cy="0"/>
-        </a:xfrm>
-      </p:grpSpPr>
-      <p:sp>
-        <p:nvSpPr>
-          <p:cNvPr id="4" name="Rectangle 3"/>
-          <p:cNvSpPr/>
-          <p:nvPr userDrawn="1"/>
-        </p:nvSpPr>
-        <p:spPr>
-          <a:xfrm>
-            <a:off x="0" y="6400800"/>
-            <a:ext cx="12192000" cy="457200"/>
-          </a:xfrm>
-          <a:prstGeom prst="rect">
-            <a:avLst/>
-          </a:prstGeom>
-          <a:solidFill>
-            <a:srgbClr val="CA0000"/>
-          </a:solidFill>
-          <a:ln>
-            <a:noFill/>
-          </a:ln>
-        </p:spPr>
-        <p:style>
-          <a:lnRef idx="2">
-            <a:schemeClr val="accent1">
-              <a:shade val="50000"/>
-            </a:schemeClr>
-          </a:lnRef>
-          <a:fillRef idx="1">
-            <a:schemeClr val="accent1"/>
-          </a:fillRef>
-          <a:effectRef idx="0">
-            <a:schemeClr val="accent1"/>
-          </a:effectRef>
-          <a:fontRef idx="minor">
-            <a:schemeClr val="lt1"/>
-          </a:fontRef>
-        </p:style>
-        <p:txBody>
-          <a:bodyPr anchor="ctr"/>
-          <a:lstStyle/>
-          <a:p>
-            <a:pPr algn="ctr">
-              <a:defRPr/>
-            </a:pPr>
-            <a:endParaRPr lang="en-US" sz="1800">
-              <a:solidFill>
-                <a:srgbClr val="FFFFFF"/>
-              </a:solidFill>
-              <a:latin typeface="Segoe UI" charset="0"/>
-              <a:ea typeface="ＭＳ Ｐゴシック" charset="0"/>
-              <a:cs typeface="ＭＳ Ｐゴシック" charset="0"/>
-            </a:endParaRPr>
-          </a:p>
-        </p:txBody>
-      </p:sp>
-      <p:sp>
-        <p:nvSpPr>
-          <p:cNvPr id="5" name="TextBox 4"/>
-          <p:cNvSpPr txBox="1"/>
-          <p:nvPr userDrawn="1"/>
-        </p:nvSpPr>
-        <p:spPr>
-          <a:xfrm>
-            <a:off x="101600" y="6429375"/>
-            <a:ext cx="8940800" cy="400050"/>
-          </a:xfrm>
-          <a:prstGeom prst="rect">
-            <a:avLst/>
-          </a:prstGeom>
-          <a:noFill/>
-        </p:spPr>
-        <p:txBody>
-          <a:bodyPr>
-            <a:spAutoFit/>
-          </a:bodyPr>
-          <a:lstStyle>
-            <a:lvl1pPr eaLnBrk="0" hangingPunct="0">
-              <a:defRPr sz="2400">
-                <a:solidFill>
-                  <a:schemeClr val="tx1"/>
-                </a:solidFill>
-                <a:latin typeface="Arial" charset="0"/>
-                <a:ea typeface="ＭＳ Ｐゴシック" charset="0"/>
-                <a:cs typeface="ＭＳ Ｐゴシック" charset="0"/>
-              </a:defRPr>
-            </a:lvl1pPr>
-            <a:lvl2pPr marL="37931725" indent="-37474525" eaLnBrk="0" hangingPunct="0">
-              <a:defRPr sz="2400">
-                <a:solidFill>
-                  <a:schemeClr val="tx1"/>
-                </a:solidFill>
-                <a:latin typeface="Arial" charset="0"/>
-                <a:ea typeface="ＭＳ Ｐゴシック" charset="0"/>
-              </a:defRPr>
-            </a:lvl2pPr>
-            <a:lvl3pPr eaLnBrk="0" hangingPunct="0">
-              <a:defRPr sz="2400">
-                <a:solidFill>
-                  <a:schemeClr val="tx1"/>
-                </a:solidFill>
-                <a:latin typeface="Arial" charset="0"/>
-                <a:ea typeface="ＭＳ Ｐゴシック" charset="0"/>
-              </a:defRPr>
-            </a:lvl3pPr>
-            <a:lvl4pPr eaLnBrk="0" hangingPunct="0">
-              <a:defRPr sz="2400">
-                <a:solidFill>
-                  <a:schemeClr val="tx1"/>
-                </a:solidFill>
-                <a:latin typeface="Arial" charset="0"/>
-                <a:ea typeface="ＭＳ Ｐゴシック" charset="0"/>
-              </a:defRPr>
-            </a:lvl4pPr>
-            <a:lvl5pPr eaLnBrk="0" hangingPunct="0">
-              <a:defRPr sz="2400">
-                <a:solidFill>
-                  <a:schemeClr val="tx1"/>
-                </a:solidFill>
-                <a:latin typeface="Arial" charset="0"/>
-                <a:ea typeface="ＭＳ Ｐゴシック" charset="0"/>
-              </a:defRPr>
-            </a:lvl5pPr>
-            <a:lvl6pPr marL="457200" eaLnBrk="0" fontAlgn="base" hangingPunct="0">
-              <a:spcBef>
-                <a:spcPct val="0"/>
-              </a:spcBef>
-              <a:spcAft>
-                <a:spcPct val="0"/>
-              </a:spcAft>
-              <a:defRPr sz="2400">
-                <a:solidFill>
-                  <a:schemeClr val="tx1"/>
-                </a:solidFill>
-                <a:latin typeface="Arial" charset="0"/>
-                <a:ea typeface="ＭＳ Ｐゴシック" charset="0"/>
-              </a:defRPr>
-            </a:lvl6pPr>
-            <a:lvl7pPr marL="914400" eaLnBrk="0" fontAlgn="base" hangingPunct="0">
-              <a:spcBef>
-                <a:spcPct val="0"/>
-              </a:spcBef>
-              <a:spcAft>
-                <a:spcPct val="0"/>
-              </a:spcAft>
-              <a:defRPr sz="2400">
-                <a:solidFill>
-                  <a:schemeClr val="tx1"/>
-                </a:solidFill>
-                <a:latin typeface="Arial" charset="0"/>
-                <a:ea typeface="ＭＳ Ｐゴシック" charset="0"/>
-              </a:defRPr>
-            </a:lvl7pPr>
-            <a:lvl8pPr marL="1371600" eaLnBrk="0" fontAlgn="base" hangingPunct="0">
-              <a:spcBef>
-                <a:spcPct val="0"/>
-              </a:spcBef>
-              <a:spcAft>
-                <a:spcPct val="0"/>
-              </a:spcAft>
-              <a:defRPr sz="2400">
-                <a:solidFill>
-                  <a:schemeClr val="tx1"/>
-                </a:solidFill>
-                <a:latin typeface="Arial" charset="0"/>
-                <a:ea typeface="ＭＳ Ｐゴシック" charset="0"/>
-              </a:defRPr>
-            </a:lvl8pPr>
-            <a:lvl9pPr marL="1828800" eaLnBrk="0" fontAlgn="base" hangingPunct="0">
-              <a:spcBef>
-                <a:spcPct val="0"/>
-              </a:spcBef>
-              <a:spcAft>
-                <a:spcPct val="0"/>
-              </a:spcAft>
-              <a:defRPr sz="2400">
-                <a:solidFill>
-                  <a:schemeClr val="tx1"/>
-                </a:solidFill>
-                <a:latin typeface="Arial" charset="0"/>
-                <a:ea typeface="ＭＳ Ｐゴシック" charset="0"/>
-              </a:defRPr>
-            </a:lvl9pPr>
-          </a:lstStyle>
-          <a:p>
-            <a:pPr eaLnBrk="1" hangingPunct="1">
-              <a:defRPr/>
-            </a:pPr>
-            <a:r>
-              <a:rPr lang="en-US" sz="2000" b="1">
-                <a:solidFill>
-                  <a:schemeClr val="bg1"/>
-                </a:solidFill>
-                <a:latin typeface="Calibri" charset="0"/>
-                <a:cs typeface="Calibri" charset="0"/>
-              </a:rPr>
-              <a:t>RNA sequencing and analysis</a:t>
-            </a:r>
-          </a:p>
-        </p:txBody>
-      </p:sp>
-      <p:sp>
-        <p:nvSpPr>
-          <p:cNvPr id="6" name="TextBox 5"/>
-          <p:cNvSpPr txBox="1"/>
-          <p:nvPr userDrawn="1"/>
-        </p:nvSpPr>
-        <p:spPr>
-          <a:xfrm>
-            <a:off x="8229600" y="6477000"/>
-            <a:ext cx="3860800" cy="338138"/>
-          </a:xfrm>
-          <a:prstGeom prst="rect">
-            <a:avLst/>
-          </a:prstGeom>
-          <a:noFill/>
-        </p:spPr>
-        <p:txBody>
-          <a:bodyPr>
-            <a:spAutoFit/>
-          </a:bodyPr>
-          <a:lstStyle>
-            <a:lvl1pPr eaLnBrk="0" hangingPunct="0">
-              <a:defRPr sz="2400">
-                <a:solidFill>
-                  <a:schemeClr val="tx1"/>
-                </a:solidFill>
-                <a:latin typeface="Arial" charset="0"/>
-                <a:ea typeface="ＭＳ Ｐゴシック" charset="0"/>
-                <a:cs typeface="ＭＳ Ｐゴシック" charset="0"/>
-              </a:defRPr>
-            </a:lvl1pPr>
-            <a:lvl2pPr marL="37931725" indent="-37474525" eaLnBrk="0" hangingPunct="0">
-              <a:defRPr sz="2400">
-                <a:solidFill>
-                  <a:schemeClr val="tx1"/>
-                </a:solidFill>
-                <a:latin typeface="Arial" charset="0"/>
-                <a:ea typeface="ＭＳ Ｐゴシック" charset="0"/>
-              </a:defRPr>
-            </a:lvl2pPr>
-            <a:lvl3pPr eaLnBrk="0" hangingPunct="0">
-              <a:defRPr sz="2400">
-                <a:solidFill>
-                  <a:schemeClr val="tx1"/>
-                </a:solidFill>
-                <a:latin typeface="Arial" charset="0"/>
-                <a:ea typeface="ＭＳ Ｐゴシック" charset="0"/>
-              </a:defRPr>
-            </a:lvl3pPr>
-            <a:lvl4pPr eaLnBrk="0" hangingPunct="0">
-              <a:defRPr sz="2400">
-                <a:solidFill>
-                  <a:schemeClr val="tx1"/>
-                </a:solidFill>
-                <a:latin typeface="Arial" charset="0"/>
-                <a:ea typeface="ＭＳ Ｐゴシック" charset="0"/>
-              </a:defRPr>
-            </a:lvl4pPr>
-            <a:lvl5pPr eaLnBrk="0" hangingPunct="0">
-              <a:defRPr sz="2400">
-                <a:solidFill>
-                  <a:schemeClr val="tx1"/>
-                </a:solidFill>
-                <a:latin typeface="Arial" charset="0"/>
-                <a:ea typeface="ＭＳ Ｐゴシック" charset="0"/>
-              </a:defRPr>
-            </a:lvl5pPr>
-            <a:lvl6pPr marL="457200" eaLnBrk="0" fontAlgn="base" hangingPunct="0">
-              <a:spcBef>
-                <a:spcPct val="0"/>
-              </a:spcBef>
-              <a:spcAft>
-                <a:spcPct val="0"/>
-              </a:spcAft>
-              <a:defRPr sz="2400">
-                <a:solidFill>
-                  <a:schemeClr val="tx1"/>
-                </a:solidFill>
-                <a:latin typeface="Arial" charset="0"/>
-                <a:ea typeface="ＭＳ Ｐゴシック" charset="0"/>
-              </a:defRPr>
-            </a:lvl6pPr>
-            <a:lvl7pPr marL="914400" eaLnBrk="0" fontAlgn="base" hangingPunct="0">
-              <a:spcBef>
-                <a:spcPct val="0"/>
-              </a:spcBef>
-              <a:spcAft>
-                <a:spcPct val="0"/>
-              </a:spcAft>
-              <a:defRPr sz="2400">
-                <a:solidFill>
-                  <a:schemeClr val="tx1"/>
-                </a:solidFill>
-                <a:latin typeface="Arial" charset="0"/>
-                <a:ea typeface="ＭＳ Ｐゴシック" charset="0"/>
-              </a:defRPr>
-            </a:lvl7pPr>
-            <a:lvl8pPr marL="1371600" eaLnBrk="0" fontAlgn="base" hangingPunct="0">
-              <a:spcBef>
-                <a:spcPct val="0"/>
-              </a:spcBef>
-              <a:spcAft>
-                <a:spcPct val="0"/>
-              </a:spcAft>
-              <a:defRPr sz="2400">
-                <a:solidFill>
-                  <a:schemeClr val="tx1"/>
-                </a:solidFill>
-                <a:latin typeface="Arial" charset="0"/>
-                <a:ea typeface="ＭＳ Ｐゴシック" charset="0"/>
-              </a:defRPr>
-            </a:lvl8pPr>
-            <a:lvl9pPr marL="1828800" eaLnBrk="0" fontAlgn="base" hangingPunct="0">
-              <a:spcBef>
-                <a:spcPct val="0"/>
-              </a:spcBef>
-              <a:spcAft>
-                <a:spcPct val="0"/>
-              </a:spcAft>
-              <a:defRPr sz="2400">
-                <a:solidFill>
-                  <a:schemeClr val="tx1"/>
-                </a:solidFill>
-                <a:latin typeface="Arial" charset="0"/>
-                <a:ea typeface="ＭＳ Ｐゴシック" charset="0"/>
-              </a:defRPr>
-            </a:lvl9pPr>
-          </a:lstStyle>
-          <a:p>
-            <a:pPr algn="r" eaLnBrk="1" hangingPunct="1">
-              <a:defRPr/>
-            </a:pPr>
-            <a:r>
-              <a:rPr lang="en-US" sz="1600" b="1">
-                <a:cs typeface="Arial" charset="0"/>
-              </a:rPr>
-              <a:t>http://meetings.cshl.edu/</a:t>
-            </a:r>
-            <a:endParaRPr lang="en-US" sz="1600">
-              <a:cs typeface="Arial" charset="0"/>
-            </a:endParaRPr>
-          </a:p>
-        </p:txBody>
-      </p:sp>
-      <p:sp>
-        <p:nvSpPr>
-          <p:cNvPr id="3" name="Content Placeholder 2"/>
-          <p:cNvSpPr>
-            <a:spLocks noGrp="1"/>
-          </p:cNvSpPr>
-          <p:nvPr>
-            <p:ph idx="1"/>
-          </p:nvPr>
-        </p:nvSpPr>
-        <p:spPr>
-          <a:xfrm>
-            <a:off x="203200" y="152400"/>
-            <a:ext cx="11785600" cy="6172200"/>
-          </a:xfrm>
-        </p:spPr>
-        <p:txBody>
-          <a:bodyPr/>
-          <a:lstStyle>
-            <a:lvl1pPr>
-              <a:defRPr sz="2800">
-                <a:latin typeface="Calibri"/>
-                <a:cs typeface="Calibri"/>
-              </a:defRPr>
-            </a:lvl1pPr>
-            <a:lvl2pPr>
-              <a:defRPr sz="2400">
-                <a:latin typeface="Calibri"/>
-                <a:cs typeface="Calibri"/>
-              </a:defRPr>
-            </a:lvl2pPr>
-            <a:lvl3pPr>
-              <a:defRPr sz="2000">
-                <a:latin typeface="Calibri"/>
-                <a:cs typeface="Calibri"/>
-              </a:defRPr>
-            </a:lvl3pPr>
-            <a:lvl4pPr>
-              <a:defRPr sz="1800">
-                <a:latin typeface="Calibri"/>
-                <a:cs typeface="Calibri"/>
-              </a:defRPr>
-            </a:lvl4pPr>
-            <a:lvl5pPr>
-              <a:defRPr sz="1800">
-                <a:latin typeface="Calibri"/>
-                <a:cs typeface="Calibri"/>
-              </a:defRPr>
-            </a:lvl5pPr>
-          </a:lstStyle>
-          <a:p>
-            <a:pPr lvl="0"/>
-            <a:r>
-              <a:rPr lang="en-US" dirty="0"/>
-              <a:t>Click to edit Master text styles</a:t>
-            </a:r>
-          </a:p>
-          <a:p>
-            <a:pPr lvl="1"/>
-            <a:r>
-              <a:rPr lang="en-US" dirty="0"/>
-              <a:t>Second level</a:t>
-            </a:r>
-          </a:p>
-          <a:p>
-            <a:pPr lvl="2"/>
-            <a:r>
-              <a:rPr lang="en-US" dirty="0"/>
-              <a:t>Third level</a:t>
-            </a:r>
-          </a:p>
-          <a:p>
-            <a:pPr lvl="3"/>
-            <a:r>
-              <a:rPr lang="en-US" dirty="0"/>
-              <a:t>Fourth level</a:t>
-            </a:r>
-          </a:p>
-          <a:p>
-            <a:pPr lvl="4"/>
-            <a:r>
-              <a:rPr lang="en-US" dirty="0"/>
-              <a:t>Fifth level</a:t>
-            </a:r>
-          </a:p>
-        </p:txBody>
-      </p:sp>
-    </p:spTree>
-    <p:extLst>
-      <p:ext uri="{BB962C8B-B14F-4D97-AF65-F5344CB8AC3E}">
-        <p14:creationId xmlns:p14="http://schemas.microsoft.com/office/powerpoint/2010/main" val="2426179551"/>
-      </p:ext>
-    </p:extLst>
-  </p:cSld>
-  <p:clrMapOvr>
-    <a:masterClrMapping/>
-  </p:clrMapOvr>
-</p:sldLayout>
-</file>
-
 <file path=ppt/slideLayouts/slideLayout2.xml><?xml version="1.0" encoding="utf-8"?>
 <p:sldLayout xmlns:a="http://schemas.openxmlformats.org/drawingml/2006/main" xmlns:r="http://schemas.openxmlformats.org/officeDocument/2006/relationships" xmlns:p="http://schemas.openxmlformats.org/presentationml/2006/main" type="obj" preserve="1">
   <p:cSld name="Title and Content">
@@ -5740,7 +5278,7 @@
                 <a:latin typeface="Calibri" charset="0"/>
                 <a:cs typeface="Calibri" charset="0"/>
               </a:rPr>
-              <a:t>Module </a:t>
+              <a:t>Module 8 </a:t>
             </a:r>
           </a:p>
         </p:txBody>
@@ -5928,7 +5466,6 @@
     <p:sldLayoutId id="2147483658" r:id="rId10"/>
     <p:sldLayoutId id="2147483659" r:id="rId11"/>
     <p:sldLayoutId id="2147483660" r:id="rId12"/>
-    <p:sldLayoutId id="2147483661" r:id="rId13"/>
   </p:sldLayoutIdLst>
   <p:txStyles>
     <p:titleStyle>
@@ -13655,7 +13192,7 @@
                 <a:latin typeface="Calibri" charset="0"/>
                 <a:cs typeface="Segoe UI" charset="0"/>
               </a:rPr>
-              <a:t> Module 2</a:t>
+              <a:t> Module 8</a:t>
             </a:r>
             <a:br>
               <a:rPr lang="en-US" sz="3600" dirty="0">
@@ -19084,47 +18621,315 @@
       </p:grpSpPr>
       <p:sp>
         <p:nvSpPr>
-          <p:cNvPr id="35841" name="Content Placeholder 3"/>
+          <p:cNvPr id="37891" name="Title 4"/>
           <p:cNvSpPr>
             <a:spLocks noGrp="1"/>
           </p:cNvSpPr>
           <p:nvPr>
-            <p:ph idx="1"/>
+            <p:ph type="title"/>
           </p:nvPr>
         </p:nvSpPr>
         <p:spPr>
           <a:xfrm>
-            <a:off x="1676400" y="2667000"/>
-            <a:ext cx="8839200" cy="1600200"/>
+            <a:off x="1676400" y="0"/>
+            <a:ext cx="8839200" cy="1143000"/>
           </a:xfrm>
         </p:spPr>
         <p:txBody>
-          <a:bodyPr/>
+          <a:bodyPr>
+            <a:normAutofit fontScale="90000"/>
+          </a:bodyPr>
           <a:lstStyle/>
           <a:p>
-            <a:pPr algn="ctr">
-              <a:buFont typeface="Arial" charset="0"/>
+            <a:pPr algn="ctr"/>
+            <a:r>
+              <a:rPr lang="en-US" b="1" dirty="0">
+                <a:latin typeface="Calibri" charset="0"/>
+                <a:ea typeface="ＭＳ Ｐゴシック" charset="0"/>
+              </a:rPr>
+              <a:t>Bowtie/</a:t>
+            </a:r>
+            <a:r>
+              <a:rPr lang="en-US" b="1" dirty="0" err="1">
+                <a:latin typeface="Calibri" charset="0"/>
+                <a:ea typeface="ＭＳ Ｐゴシック" charset="0"/>
+              </a:rPr>
+              <a:t>Tophat</a:t>
+            </a:r>
+            <a:r>
+              <a:rPr lang="en-US" b="1" dirty="0">
+                <a:latin typeface="Calibri" charset="0"/>
+                <a:ea typeface="ＭＳ Ｐゴシック" charset="0"/>
+              </a:rPr>
+              <a:t>/Cufflinks/</a:t>
+            </a:r>
+            <a:r>
+              <a:rPr lang="en-US" b="1" dirty="0" err="1">
+                <a:latin typeface="Calibri" charset="0"/>
+                <a:ea typeface="ＭＳ Ｐゴシック" charset="0"/>
+              </a:rPr>
+              <a:t>Cuffdiff</a:t>
+            </a:r>
+            <a:r>
+              <a:rPr lang="en-US" b="1" dirty="0">
+                <a:latin typeface="Calibri" charset="0"/>
+                <a:ea typeface="ＭＳ Ｐゴシック" charset="0"/>
+              </a:rPr>
+              <a:t> </a:t>
+            </a:r>
+            <a:br>
+              <a:rPr lang="en-US" b="1" dirty="0">
+                <a:latin typeface="Calibri" charset="0"/>
+                <a:ea typeface="ＭＳ Ｐゴシック" charset="0"/>
+              </a:rPr>
+            </a:br>
+            <a:r>
+              <a:rPr lang="en-US" b="1" dirty="0">
+                <a:latin typeface="Calibri" charset="0"/>
+                <a:ea typeface="ＭＳ Ｐゴシック" charset="0"/>
+              </a:rPr>
+              <a:t>RNA-</a:t>
+            </a:r>
+            <a:r>
+              <a:rPr lang="en-US" b="1" dirty="0" err="1">
+                <a:latin typeface="Calibri" charset="0"/>
+                <a:ea typeface="ＭＳ Ｐゴシック" charset="0"/>
+              </a:rPr>
+              <a:t>seq</a:t>
+            </a:r>
+            <a:r>
+              <a:rPr lang="en-US" b="1" dirty="0">
+                <a:latin typeface="Calibri" charset="0"/>
+                <a:ea typeface="ＭＳ Ｐゴシック" charset="0"/>
+              </a:rPr>
+              <a:t> Pipeline</a:t>
+            </a:r>
+          </a:p>
+        </p:txBody>
+      </p:sp>
+      <p:pic>
+        <p:nvPicPr>
+          <p:cNvPr id="2" name="Picture 1" descr="RNA-seq_Flowchart3.png"/>
+          <p:cNvPicPr>
+            <a:picLocks noChangeAspect="1"/>
+          </p:cNvPicPr>
+          <p:nvPr/>
+        </p:nvPicPr>
+        <p:blipFill>
+          <a:blip r:embed="rId2">
+            <a:extLst>
+              <a:ext uri="{28A0092B-C50C-407E-A947-70E740481C1C}">
+                <a14:useLocalDpi xmlns:a14="http://schemas.microsoft.com/office/drawing/2010/main" val="0"/>
+              </a:ext>
+            </a:extLst>
+          </a:blip>
+          <a:stretch>
+            <a:fillRect/>
+          </a:stretch>
+        </p:blipFill>
+        <p:spPr>
+          <a:xfrm>
+            <a:off x="1816100" y="1700808"/>
+            <a:ext cx="8558784" cy="4145280"/>
+          </a:xfrm>
+          <a:prstGeom prst="rect">
+            <a:avLst/>
+          </a:prstGeom>
+        </p:spPr>
+      </p:pic>
+      <p:sp>
+        <p:nvSpPr>
+          <p:cNvPr id="4" name="TextBox 3">
+            <a:extLst>
+              <a:ext uri="{FF2B5EF4-FFF2-40B4-BE49-F238E27FC236}">
+                <a16:creationId xmlns:a16="http://schemas.microsoft.com/office/drawing/2014/main" id="{F2749F51-B36B-F44B-8AC0-4DE2932EE5A1}"/>
+              </a:ext>
+            </a:extLst>
+          </p:cNvPr>
+          <p:cNvSpPr txBox="1">
+            <a:spLocks noChangeArrowheads="1"/>
+          </p:cNvSpPr>
+          <p:nvPr/>
+        </p:nvSpPr>
+        <p:spPr bwMode="auto">
+          <a:xfrm>
+            <a:off x="2896457" y="1700808"/>
+            <a:ext cx="1074333" cy="338554"/>
+          </a:xfrm>
+          <a:prstGeom prst="rect">
+            <a:avLst/>
+          </a:prstGeom>
+          <a:solidFill>
+            <a:schemeClr val="bg1"/>
+          </a:solidFill>
+          <a:ln>
+            <a:noFill/>
+          </a:ln>
+          <a:extLst>
+            <a:ext uri="{909E8E84-426E-40dd-AFC4-6F175D3DCCD1}">
+              <a14:hiddenFill xmlns:a14="http://schemas.microsoft.com/office/drawing/2010/main" xmlns="">
+                <a:solidFill>
+                  <a:srgbClr val="FFFFFF"/>
+                </a:solidFill>
+              </a14:hiddenFill>
+            </a:ext>
+            <a:ext uri="{91240B29-F687-4f45-9708-019B960494DF}">
+              <a14:hiddenLine xmlns:a14="http://schemas.microsoft.com/office/drawing/2010/main" xmlns="" w="9525">
+                <a:solidFill>
+                  <a:srgbClr val="000000"/>
+                </a:solidFill>
+                <a:miter lim="800000"/>
+                <a:headEnd/>
+                <a:tailEnd/>
+              </a14:hiddenLine>
+            </a:ext>
+          </a:extLst>
+        </p:spPr>
+        <p:txBody>
+          <a:bodyPr wrap="none">
+            <a:spAutoFit/>
+          </a:bodyPr>
+          <a:lstStyle>
+            <a:lvl1pPr eaLnBrk="0" hangingPunct="0">
+              <a:defRPr sz="2400">
+                <a:solidFill>
+                  <a:schemeClr val="tx1"/>
+                </a:solidFill>
+                <a:latin typeface="Arial" charset="0"/>
+                <a:ea typeface="ＭＳ Ｐゴシック" charset="0"/>
+                <a:cs typeface="ＭＳ Ｐゴシック" charset="0"/>
+              </a:defRPr>
+            </a:lvl1pPr>
+            <a:lvl2pPr marL="742950" indent="-285750" eaLnBrk="0" hangingPunct="0">
+              <a:defRPr sz="2400">
+                <a:solidFill>
+                  <a:schemeClr val="tx1"/>
+                </a:solidFill>
+                <a:latin typeface="Arial" charset="0"/>
+                <a:ea typeface="ＭＳ Ｐゴシック" charset="0"/>
+              </a:defRPr>
+            </a:lvl2pPr>
+            <a:lvl3pPr marL="1143000" indent="-228600" eaLnBrk="0" hangingPunct="0">
+              <a:defRPr sz="2400">
+                <a:solidFill>
+                  <a:schemeClr val="tx1"/>
+                </a:solidFill>
+                <a:latin typeface="Arial" charset="0"/>
+                <a:ea typeface="ＭＳ Ｐゴシック" charset="0"/>
+              </a:defRPr>
+            </a:lvl3pPr>
+            <a:lvl4pPr marL="1600200" indent="-228600" eaLnBrk="0" hangingPunct="0">
+              <a:defRPr sz="2400">
+                <a:solidFill>
+                  <a:schemeClr val="tx1"/>
+                </a:solidFill>
+                <a:latin typeface="Arial" charset="0"/>
+                <a:ea typeface="ＭＳ Ｐゴシック" charset="0"/>
+              </a:defRPr>
+            </a:lvl4pPr>
+            <a:lvl5pPr marL="2057400" indent="-228600" eaLnBrk="0" hangingPunct="0">
+              <a:defRPr sz="2400">
+                <a:solidFill>
+                  <a:schemeClr val="tx1"/>
+                </a:solidFill>
+                <a:latin typeface="Arial" charset="0"/>
+                <a:ea typeface="ＭＳ Ｐゴシック" charset="0"/>
+              </a:defRPr>
+            </a:lvl5pPr>
+            <a:lvl6pPr marL="2514600" indent="-228600" eaLnBrk="0" fontAlgn="base" hangingPunct="0">
+              <a:spcBef>
+                <a:spcPct val="0"/>
+              </a:spcBef>
+              <a:spcAft>
+                <a:spcPct val="0"/>
+              </a:spcAft>
+              <a:defRPr sz="2400">
+                <a:solidFill>
+                  <a:schemeClr val="tx1"/>
+                </a:solidFill>
+                <a:latin typeface="Arial" charset="0"/>
+                <a:ea typeface="ＭＳ Ｐゴシック" charset="0"/>
+              </a:defRPr>
+            </a:lvl6pPr>
+            <a:lvl7pPr marL="2971800" indent="-228600" eaLnBrk="0" fontAlgn="base" hangingPunct="0">
+              <a:spcBef>
+                <a:spcPct val="0"/>
+              </a:spcBef>
+              <a:spcAft>
+                <a:spcPct val="0"/>
+              </a:spcAft>
+              <a:defRPr sz="2400">
+                <a:solidFill>
+                  <a:schemeClr val="tx1"/>
+                </a:solidFill>
+                <a:latin typeface="Arial" charset="0"/>
+                <a:ea typeface="ＭＳ Ｐゴシック" charset="0"/>
+              </a:defRPr>
+            </a:lvl7pPr>
+            <a:lvl8pPr marL="3429000" indent="-228600" eaLnBrk="0" fontAlgn="base" hangingPunct="0">
+              <a:spcBef>
+                <a:spcPct val="0"/>
+              </a:spcBef>
+              <a:spcAft>
+                <a:spcPct val="0"/>
+              </a:spcAft>
+              <a:defRPr sz="2400">
+                <a:solidFill>
+                  <a:schemeClr val="tx1"/>
+                </a:solidFill>
+                <a:latin typeface="Arial" charset="0"/>
+                <a:ea typeface="ＭＳ Ｐゴシック" charset="0"/>
+              </a:defRPr>
+            </a:lvl8pPr>
+            <a:lvl9pPr marL="3886200" indent="-228600" eaLnBrk="0" fontAlgn="base" hangingPunct="0">
+              <a:spcBef>
+                <a:spcPct val="0"/>
+              </a:spcBef>
+              <a:spcAft>
+                <a:spcPct val="0"/>
+              </a:spcAft>
+              <a:defRPr sz="2400">
+                <a:solidFill>
+                  <a:schemeClr val="tx1"/>
+                </a:solidFill>
+                <a:latin typeface="Arial" charset="0"/>
+                <a:ea typeface="ＭＳ Ｐゴシック" charset="0"/>
+              </a:defRPr>
+            </a:lvl9pPr>
+          </a:lstStyle>
+          <a:p>
+            <a:pPr marL="0" marR="0" lvl="0" indent="0" defTabSz="914400" eaLnBrk="1" fontAlgn="base" latinLnBrk="0" hangingPunct="1">
+              <a:lnSpc>
+                <a:spcPct val="100000"/>
+              </a:lnSpc>
+              <a:spcBef>
+                <a:spcPct val="0"/>
+              </a:spcBef>
+              <a:spcAft>
+                <a:spcPct val="0"/>
+              </a:spcAft>
+              <a:buClrTx/>
+              <a:buSzTx/>
+              <a:buFontTx/>
               <a:buNone/>
+              <a:tabLst/>
+              <a:defRPr/>
             </a:pPr>
             <a:r>
-              <a:rPr lang="en-US" sz="4400" b="1" dirty="0">
-                <a:latin typeface="Calibri" charset="0"/>
+              <a:rPr kumimoji="0" lang="en-US" sz="1600" b="1" i="0" u="none" strike="noStrike" kern="0" cap="none" spc="0" normalizeH="0" baseline="0" noProof="0" dirty="0">
+                <a:ln>
+                  <a:noFill/>
+                </a:ln>
+                <a:solidFill>
+                  <a:prstClr val="black"/>
+                </a:solidFill>
+                <a:effectLst/>
+                <a:uLnTx/>
+                <a:uFillTx/>
+                <a:latin typeface="Arial" charset="0"/>
                 <a:ea typeface="ＭＳ Ｐゴシック" charset="0"/>
               </a:rPr>
-              <a:t>Introduction to tutorial </a:t>
-            </a:r>
-          </a:p>
-          <a:p>
-            <a:pPr algn="ctr">
-              <a:buFont typeface="Arial" charset="0"/>
-              <a:buNone/>
-            </a:pPr>
-            <a:r>
-              <a:rPr lang="en-US" sz="4400" b="1" dirty="0">
-                <a:latin typeface="Calibri" charset="0"/>
-                <a:ea typeface="ＭＳ Ｐゴシック" charset="0"/>
-              </a:rPr>
-              <a:t>(Module 2)</a:t>
+              <a:t>Module 8</a:t>
             </a:r>
           </a:p>
         </p:txBody>
@@ -19132,7 +18937,7 @@
     </p:spTree>
     <p:extLst>
       <p:ext uri="{BB962C8B-B14F-4D97-AF65-F5344CB8AC3E}">
-        <p14:creationId xmlns:p14="http://schemas.microsoft.com/office/powerpoint/2010/main" val="834295995"/>
+        <p14:creationId xmlns:p14="http://schemas.microsoft.com/office/powerpoint/2010/main" val="2897742398"/>
       </p:ext>
     </p:extLst>
   </p:cSld>
@@ -19216,7 +19021,7 @@
             </a:pPr>
             <a:r>
               <a:rPr lang="en-US" dirty="0"/>
-              <a:t>Module 1: Introduction to RNA Sequencing</a:t>
+              <a:t>Module 7: Introduction to RNA Sequencing</a:t>
             </a:r>
           </a:p>
           <a:p>
@@ -19225,7 +19030,7 @@
             </a:pPr>
             <a:r>
               <a:rPr lang="en-US" b="1" dirty="0"/>
-              <a:t>Module 2: Alignment and Visualization</a:t>
+              <a:t>Module 8: Alignment and Visualization</a:t>
             </a:r>
           </a:p>
           <a:p>
@@ -19234,7 +19039,7 @@
             </a:pPr>
             <a:r>
               <a:rPr lang="en-US" dirty="0"/>
-              <a:t>Module 3: Expression and Differential Expression</a:t>
+              <a:t>Module 9: Expression and Differential Expression</a:t>
             </a:r>
           </a:p>
           <a:p>
@@ -19243,7 +19048,7 @@
             </a:pPr>
             <a:r>
               <a:rPr lang="en-US" dirty="0"/>
-              <a:t>Module 4: Alignment Free Expression Estimation</a:t>
+              <a:t>Module 10: Alignment Free Expression Estimation</a:t>
             </a:r>
           </a:p>
           <a:p>
@@ -19252,7 +19057,7 @@
             </a:pPr>
             <a:r>
               <a:rPr lang="en-US" dirty="0"/>
-              <a:t>Module 5: Isoform Discovery and Alternative Expression</a:t>
+              <a:t>Module 11: Isoform Discovery and Alternative Expression</a:t>
             </a:r>
           </a:p>
           <a:p>
@@ -19365,111 +19170,6 @@
 </file>
 
 <file path=ppt/slides/slide40.xml><?xml version="1.0" encoding="utf-8"?>
-<p:sld xmlns:a="http://schemas.openxmlformats.org/drawingml/2006/main" xmlns:r="http://schemas.openxmlformats.org/officeDocument/2006/relationships" xmlns:p="http://schemas.openxmlformats.org/presentationml/2006/main">
-  <p:cSld>
-    <p:spTree>
-      <p:nvGrpSpPr>
-        <p:cNvPr id="1" name=""/>
-        <p:cNvGrpSpPr/>
-        <p:nvPr/>
-      </p:nvGrpSpPr>
-      <p:grpSpPr>
-        <a:xfrm>
-          <a:off x="0" y="0"/>
-          <a:ext cx="0" cy="0"/>
-          <a:chOff x="0" y="0"/>
-          <a:chExt cx="0" cy="0"/>
-        </a:xfrm>
-      </p:grpSpPr>
-      <p:sp>
-        <p:nvSpPr>
-          <p:cNvPr id="37891" name="Title 4"/>
-          <p:cNvSpPr>
-            <a:spLocks noGrp="1"/>
-          </p:cNvSpPr>
-          <p:nvPr>
-            <p:ph type="title"/>
-          </p:nvPr>
-        </p:nvSpPr>
-        <p:spPr>
-          <a:xfrm>
-            <a:off x="1676400" y="0"/>
-            <a:ext cx="8839200" cy="1143000"/>
-          </a:xfrm>
-        </p:spPr>
-        <p:txBody>
-          <a:bodyPr>
-            <a:normAutofit fontScale="90000"/>
-          </a:bodyPr>
-          <a:lstStyle/>
-          <a:p>
-            <a:r>
-              <a:rPr lang="en-US">
-                <a:latin typeface="Calibri" charset="0"/>
-                <a:ea typeface="ＭＳ Ｐゴシック" charset="0"/>
-              </a:rPr>
-              <a:t>Bowtie/Tophat/Cufflinks/Cuffdiff </a:t>
-            </a:r>
-            <a:br>
-              <a:rPr lang="en-US">
-                <a:latin typeface="Calibri" charset="0"/>
-                <a:ea typeface="ＭＳ Ｐゴシック" charset="0"/>
-              </a:rPr>
-            </a:br>
-            <a:r>
-              <a:rPr lang="en-US">
-                <a:latin typeface="Calibri" charset="0"/>
-                <a:ea typeface="ＭＳ Ｐゴシック" charset="0"/>
-              </a:rPr>
-              <a:t>RNA-seq Pipeline</a:t>
-            </a:r>
-          </a:p>
-        </p:txBody>
-      </p:sp>
-      <p:pic>
-        <p:nvPicPr>
-          <p:cNvPr id="2" name="Picture 1" descr="RNA-seq_Flowchart3.png"/>
-          <p:cNvPicPr>
-            <a:picLocks noChangeAspect="1"/>
-          </p:cNvPicPr>
-          <p:nvPr/>
-        </p:nvPicPr>
-        <p:blipFill>
-          <a:blip r:embed="rId2">
-            <a:extLst>
-              <a:ext uri="{28A0092B-C50C-407E-A947-70E740481C1C}">
-                <a14:useLocalDpi xmlns:a14="http://schemas.microsoft.com/office/drawing/2010/main" val="0"/>
-              </a:ext>
-            </a:extLst>
-          </a:blip>
-          <a:stretch>
-            <a:fillRect/>
-          </a:stretch>
-        </p:blipFill>
-        <p:spPr>
-          <a:xfrm>
-            <a:off x="1816100" y="1700808"/>
-            <a:ext cx="8558784" cy="4145280"/>
-          </a:xfrm>
-          <a:prstGeom prst="rect">
-            <a:avLst/>
-          </a:prstGeom>
-        </p:spPr>
-      </p:pic>
-    </p:spTree>
-    <p:extLst>
-      <p:ext uri="{BB962C8B-B14F-4D97-AF65-F5344CB8AC3E}">
-        <p14:creationId xmlns:p14="http://schemas.microsoft.com/office/powerpoint/2010/main" val="2897742398"/>
-      </p:ext>
-    </p:extLst>
-  </p:cSld>
-  <p:clrMapOvr>
-    <a:masterClrMapping/>
-  </p:clrMapOvr>
-</p:sld>
-</file>
-
-<file path=ppt/slides/slide41.xml><?xml version="1.0" encoding="utf-8"?>
 <p:sld xmlns:a="http://schemas.openxmlformats.org/drawingml/2006/main" xmlns:r="http://schemas.openxmlformats.org/officeDocument/2006/relationships" xmlns:p="http://schemas.openxmlformats.org/presentationml/2006/main">
   <p:cSld>
     <p:spTree>
@@ -19731,7 +19431,21 @@
                 <a:latin typeface="Calibri" charset="0"/>
                 <a:ea typeface="ＭＳ Ｐゴシック" charset="0"/>
               </a:rPr>
-              <a:t>Learning objectives of module 2</a:t>
+              <a:t>Learning objectives </a:t>
+            </a:r>
+            <a:r>
+              <a:rPr lang="en-US" b="1">
+                <a:latin typeface="Calibri" charset="0"/>
+                <a:ea typeface="ＭＳ Ｐゴシック" charset="0"/>
+              </a:rPr>
+              <a:t>of Module </a:t>
+            </a:r>
+            <a:r>
+              <a:rPr lang="en-US" b="1" dirty="0">
+                <a:latin typeface="Calibri" charset="0"/>
+                <a:ea typeface="ＭＳ Ｐゴシック" charset="0"/>
+              </a:rPr>
+              <a:t>8</a:t>
             </a:r>
           </a:p>
         </p:txBody>
